--- a/Data Examination/Frequency_glueing.pptx
+++ b/Data Examination/Frequency_glueing.pptx
@@ -254,7 +254,7 @@
           <a:p>
             <a:fld id="{168B1711-90BD-4055-83C8-588F36D832FF}" type="datetimeFigureOut">
               <a:rPr lang="en-GB" smtClean="0"/>
-              <a:t>01/07/2023</a:t>
+              <a:t>08/07/2023</a:t>
             </a:fld>
             <a:endParaRPr lang="en-GB"/>
           </a:p>
@@ -424,7 +424,7 @@
           <a:p>
             <a:fld id="{168B1711-90BD-4055-83C8-588F36D832FF}" type="datetimeFigureOut">
               <a:rPr lang="en-GB" smtClean="0"/>
-              <a:t>01/07/2023</a:t>
+              <a:t>08/07/2023</a:t>
             </a:fld>
             <a:endParaRPr lang="en-GB"/>
           </a:p>
@@ -604,7 +604,7 @@
           <a:p>
             <a:fld id="{168B1711-90BD-4055-83C8-588F36D832FF}" type="datetimeFigureOut">
               <a:rPr lang="en-GB" smtClean="0"/>
-              <a:t>01/07/2023</a:t>
+              <a:t>08/07/2023</a:t>
             </a:fld>
             <a:endParaRPr lang="en-GB"/>
           </a:p>
@@ -774,7 +774,7 @@
           <a:p>
             <a:fld id="{168B1711-90BD-4055-83C8-588F36D832FF}" type="datetimeFigureOut">
               <a:rPr lang="en-GB" smtClean="0"/>
-              <a:t>01/07/2023</a:t>
+              <a:t>08/07/2023</a:t>
             </a:fld>
             <a:endParaRPr lang="en-GB"/>
           </a:p>
@@ -1018,7 +1018,7 @@
           <a:p>
             <a:fld id="{168B1711-90BD-4055-83C8-588F36D832FF}" type="datetimeFigureOut">
               <a:rPr lang="en-GB" smtClean="0"/>
-              <a:t>01/07/2023</a:t>
+              <a:t>08/07/2023</a:t>
             </a:fld>
             <a:endParaRPr lang="en-GB"/>
           </a:p>
@@ -1250,7 +1250,7 @@
           <a:p>
             <a:fld id="{168B1711-90BD-4055-83C8-588F36D832FF}" type="datetimeFigureOut">
               <a:rPr lang="en-GB" smtClean="0"/>
-              <a:t>01/07/2023</a:t>
+              <a:t>08/07/2023</a:t>
             </a:fld>
             <a:endParaRPr lang="en-GB"/>
           </a:p>
@@ -1617,7 +1617,7 @@
           <a:p>
             <a:fld id="{168B1711-90BD-4055-83C8-588F36D832FF}" type="datetimeFigureOut">
               <a:rPr lang="en-GB" smtClean="0"/>
-              <a:t>01/07/2023</a:t>
+              <a:t>08/07/2023</a:t>
             </a:fld>
             <a:endParaRPr lang="en-GB"/>
           </a:p>
@@ -1735,7 +1735,7 @@
           <a:p>
             <a:fld id="{168B1711-90BD-4055-83C8-588F36D832FF}" type="datetimeFigureOut">
               <a:rPr lang="en-GB" smtClean="0"/>
-              <a:t>01/07/2023</a:t>
+              <a:t>08/07/2023</a:t>
             </a:fld>
             <a:endParaRPr lang="en-GB"/>
           </a:p>
@@ -1830,7 +1830,7 @@
           <a:p>
             <a:fld id="{168B1711-90BD-4055-83C8-588F36D832FF}" type="datetimeFigureOut">
               <a:rPr lang="en-GB" smtClean="0"/>
-              <a:t>01/07/2023</a:t>
+              <a:t>08/07/2023</a:t>
             </a:fld>
             <a:endParaRPr lang="en-GB"/>
           </a:p>
@@ -2107,7 +2107,7 @@
           <a:p>
             <a:fld id="{168B1711-90BD-4055-83C8-588F36D832FF}" type="datetimeFigureOut">
               <a:rPr lang="en-GB" smtClean="0"/>
-              <a:t>01/07/2023</a:t>
+              <a:t>08/07/2023</a:t>
             </a:fld>
             <a:endParaRPr lang="en-GB"/>
           </a:p>
@@ -2364,7 +2364,7 @@
           <a:p>
             <a:fld id="{168B1711-90BD-4055-83C8-588F36D832FF}" type="datetimeFigureOut">
               <a:rPr lang="en-GB" smtClean="0"/>
-              <a:t>01/07/2023</a:t>
+              <a:t>08/07/2023</a:t>
             </a:fld>
             <a:endParaRPr lang="en-GB"/>
           </a:p>
@@ -2577,7 +2577,7 @@
           <a:p>
             <a:fld id="{168B1711-90BD-4055-83C8-588F36D832FF}" type="datetimeFigureOut">
               <a:rPr lang="en-GB" smtClean="0"/>
-              <a:t>01/07/2023</a:t>
+              <a:t>08/07/2023</a:t>
             </a:fld>
             <a:endParaRPr lang="en-GB"/>
           </a:p>
@@ -2984,10 +2984,10 @@
       </p:grpSpPr>
       <p:pic>
         <p:nvPicPr>
-          <p:cNvPr id="3" name="Picture 2">
+          <p:cNvPr id="8" name="Picture 7">
             <a:extLst>
               <a:ext uri="{FF2B5EF4-FFF2-40B4-BE49-F238E27FC236}">
-                <a16:creationId xmlns:a16="http://schemas.microsoft.com/office/drawing/2014/main" id="{2C13FC42-1022-E6C7-EA5D-C07DF3BB455A}"/>
+                <a16:creationId xmlns:a16="http://schemas.microsoft.com/office/drawing/2014/main" id="{D5CEE6DB-C47B-019D-9287-80D685F2B959}"/>
               </a:ext>
             </a:extLst>
           </p:cNvPr>
@@ -3004,8 +3004,8 @@
         </p:blipFill>
         <p:spPr>
           <a:xfrm>
-            <a:off x="-16686" y="-32508"/>
-            <a:ext cx="8441709" cy="6671097"/>
+            <a:off x="0" y="162559"/>
+            <a:ext cx="8451373" cy="6541689"/>
           </a:xfrm>
           <a:prstGeom prst="rect">
             <a:avLst/>
@@ -3014,10 +3014,10 @@
       </p:pic>
       <p:pic>
         <p:nvPicPr>
-          <p:cNvPr id="33" name="Picture 32">
+          <p:cNvPr id="4" name="Picture 3">
             <a:extLst>
               <a:ext uri="{FF2B5EF4-FFF2-40B4-BE49-F238E27FC236}">
-                <a16:creationId xmlns:a16="http://schemas.microsoft.com/office/drawing/2014/main" id="{7C5EAE99-C68E-F356-FB83-41A3A653579C}"/>
+                <a16:creationId xmlns:a16="http://schemas.microsoft.com/office/drawing/2014/main" id="{A6FDB78C-4B5F-0876-44AF-90B0E19088DA}"/>
               </a:ext>
             </a:extLst>
           </p:cNvPr>
@@ -3034,8 +3034,8 @@
         </p:blipFill>
         <p:spPr>
           <a:xfrm>
-            <a:off x="1215774" y="2950325"/>
-            <a:ext cx="3587934" cy="2616334"/>
+            <a:off x="1237363" y="2913948"/>
+            <a:ext cx="3578477" cy="2686188"/>
           </a:xfrm>
           <a:prstGeom prst="rect">
             <a:avLst/>
@@ -3104,8 +3104,8 @@
         </p:nvCxnSpPr>
         <p:spPr>
           <a:xfrm flipH="1">
-            <a:off x="672941" y="3048000"/>
-            <a:ext cx="782320" cy="2966720"/>
+            <a:off x="672941" y="3037840"/>
+            <a:ext cx="853440" cy="2976880"/>
           </a:xfrm>
           <a:prstGeom prst="line">
             <a:avLst/>
